--- a/Presentation.pptx
+++ b/Presentation.pptx
@@ -26,19 +26,19 @@
   <p:notesSz cx="6858000" cy="9144000"/>
   <p:embeddedFontLst>
     <p:embeddedFont>
-      <p:font typeface="Yanone Kaffeesatz Bold" panose="020B0604020202020204" charset="0"/>
-      <p:bold r:id="rId14"/>
+      <p:font typeface="Yanone Kaffeesatz Regular" panose="02000000000000000000" pitchFamily="2" charset="0"/>
+      <p:regular r:id="rId14"/>
+    </p:embeddedFont>
+    <p:embeddedFont>
+      <p:font typeface="Yanone Kaffeesatz Bold" panose="02000000000000000000" pitchFamily="2" charset="0"/>
+      <p:bold r:id="rId15"/>
     </p:embeddedFont>
     <p:embeddedFont>
       <p:font typeface="Calibri" panose="020F0502020204030204" pitchFamily="34" charset="0"/>
-      <p:regular r:id="rId15"/>
-      <p:bold r:id="rId16"/>
-      <p:italic r:id="rId17"/>
-      <p:boldItalic r:id="rId18"/>
-    </p:embeddedFont>
-    <p:embeddedFont>
-      <p:font typeface="Yanone Kaffeesatz Regular" panose="020B0604020202020204" charset="0"/>
-      <p:regular r:id="rId19"/>
+      <p:regular r:id="rId16"/>
+      <p:bold r:id="rId17"/>
+      <p:italic r:id="rId18"/>
+      <p:boldItalic r:id="rId19"/>
     </p:embeddedFont>
   </p:embeddedFontLst>
   <p:defaultTextStyle>
@@ -3115,25 +3115,25 @@
     </dgm:pt>
   </dgm:ptLst>
   <dgm:cxnLst>
+    <dgm:cxn modelId="{5D042A53-C459-42AA-BF96-201399DEF8B8}" srcId="{9CD36EAE-0CD9-470B-8EC6-DB35DCA07FE9}" destId="{FC4C5734-FB46-49DF-9964-8E309D9E79AC}" srcOrd="1" destOrd="0" parTransId="{F39E8C39-FE0B-441E-B098-7E145C705B06}" sibTransId="{C81C6C77-B9E8-40A0-AD5F-9E8E0E095413}"/>
+    <dgm:cxn modelId="{E44D7DDC-BA20-4673-8AE9-70FDD748771C}" type="presOf" srcId="{60227808-4FAC-48C1-B9BF-1ADAEE4F3995}" destId="{34F33835-A21E-44EC-8C2E-68038418198F}" srcOrd="0" destOrd="3" presId="urn:microsoft.com/office/officeart/2005/8/layout/hList2"/>
+    <dgm:cxn modelId="{876701C9-90E5-4D7F-A2F9-7DF11B7EE870}" type="presOf" srcId="{FC4C5734-FB46-49DF-9964-8E309D9E79AC}" destId="{F7669719-6721-43BE-A9F4-14CB5B35A159}" srcOrd="0" destOrd="1" presId="urn:microsoft.com/office/officeart/2005/8/layout/hList2"/>
+    <dgm:cxn modelId="{888D2933-CB18-4CE1-A4CB-BF1BC1AB3111}" srcId="{1242F452-68A1-4CEA-9C51-8DCCC1EAD528}" destId="{FFE88E1B-1B31-4F64-815D-619C1A34F303}" srcOrd="1" destOrd="0" parTransId="{AA924FB5-B987-478E-B8DE-0FA7C352DF1D}" sibTransId="{0198DCF1-8C19-4452-8640-D03FD9B8D9F0}"/>
+    <dgm:cxn modelId="{DFBCBDAD-DB46-48D7-A12D-59111E47013F}" srcId="{9CD36EAE-0CD9-470B-8EC6-DB35DCA07FE9}" destId="{9B577197-566E-47B8-9DDD-A840D6334AB1}" srcOrd="0" destOrd="0" parTransId="{BF084002-2883-46B9-8925-E76E6500636E}" sibTransId="{7726F00B-5DB7-48CE-B12B-AAD503BD4E85}"/>
     <dgm:cxn modelId="{2BDBF15D-4507-4560-B20B-53DF2A73B281}" type="presOf" srcId="{F32DD996-F015-4017-AA6B-24D6040C5FA3}" destId="{F7669719-6721-43BE-A9F4-14CB5B35A159}" srcOrd="0" destOrd="2" presId="urn:microsoft.com/office/officeart/2005/8/layout/hList2"/>
+    <dgm:cxn modelId="{240C8B93-999A-4247-BFB7-E40290EBEEB3}" type="presOf" srcId="{1242F452-68A1-4CEA-9C51-8DCCC1EAD528}" destId="{EEDB0011-16BE-49F2-A232-514DC9A8A1F9}" srcOrd="0" destOrd="0" presId="urn:microsoft.com/office/officeart/2005/8/layout/hList2"/>
+    <dgm:cxn modelId="{25F0FB1C-19A4-4F6B-9357-48EDBF1BBBFD}" type="presOf" srcId="{9CD36EAE-0CD9-470B-8EC6-DB35DCA07FE9}" destId="{3DCD01A5-8BB3-45C5-9BEB-9825F5E3A260}" srcOrd="0" destOrd="0" presId="urn:microsoft.com/office/officeart/2005/8/layout/hList2"/>
+    <dgm:cxn modelId="{6F12A484-97FD-4FF5-A028-43964E27715E}" srcId="{1242F452-68A1-4CEA-9C51-8DCCC1EAD528}" destId="{9D6A7171-A111-4874-94D8-61D62266E567}" srcOrd="0" destOrd="0" parTransId="{7ECC9C35-941B-4622-9BFD-978688BF62C5}" sibTransId="{F04862A0-7ED4-41B5-AB4F-6320418A18C0}"/>
+    <dgm:cxn modelId="{DB6116B5-2FD6-46BF-BE99-55090132214D}" srcId="{1242F452-68A1-4CEA-9C51-8DCCC1EAD528}" destId="{60B0C8DD-9A03-4E55-B50F-4F086FA8F39A}" srcOrd="2" destOrd="0" parTransId="{86F8E6D6-4D5C-495C-B994-3283033C5AF4}" sibTransId="{6761947D-671B-4A6A-95AC-D5B35A920F62}"/>
+    <dgm:cxn modelId="{E4221270-FA5F-450A-92C2-7EEFFE8C45F7}" type="presOf" srcId="{FFE88E1B-1B31-4F64-815D-619C1A34F303}" destId="{34F33835-A21E-44EC-8C2E-68038418198F}" srcOrd="0" destOrd="1" presId="urn:microsoft.com/office/officeart/2005/8/layout/hList2"/>
     <dgm:cxn modelId="{74767396-96A8-4808-9A91-24D265EFEAFC}" srcId="{63F60480-936F-4E4F-A6A8-5330C78BDDCB}" destId="{1242F452-68A1-4CEA-9C51-8DCCC1EAD528}" srcOrd="0" destOrd="0" parTransId="{89917FA8-C506-4B5D-A847-B439A645D19B}" sibTransId="{61A2AF3F-AE93-4C91-98DC-044BCC5B9090}"/>
-    <dgm:cxn modelId="{876701C9-90E5-4D7F-A2F9-7DF11B7EE870}" type="presOf" srcId="{FC4C5734-FB46-49DF-9964-8E309D9E79AC}" destId="{F7669719-6721-43BE-A9F4-14CB5B35A159}" srcOrd="0" destOrd="1" presId="urn:microsoft.com/office/officeart/2005/8/layout/hList2"/>
-    <dgm:cxn modelId="{DFBCBDAD-DB46-48D7-A12D-59111E47013F}" srcId="{9CD36EAE-0CD9-470B-8EC6-DB35DCA07FE9}" destId="{9B577197-566E-47B8-9DDD-A840D6334AB1}" srcOrd="0" destOrd="0" parTransId="{BF084002-2883-46B9-8925-E76E6500636E}" sibTransId="{7726F00B-5DB7-48CE-B12B-AAD503BD4E85}"/>
+    <dgm:cxn modelId="{BF7F9BC4-A141-4378-B30F-31D1A7851846}" type="presOf" srcId="{60B0C8DD-9A03-4E55-B50F-4F086FA8F39A}" destId="{34F33835-A21E-44EC-8C2E-68038418198F}" srcOrd="0" destOrd="2" presId="urn:microsoft.com/office/officeart/2005/8/layout/hList2"/>
+    <dgm:cxn modelId="{99D1C06F-5739-475F-B860-80AEE39D1C7D}" srcId="{63F60480-936F-4E4F-A6A8-5330C78BDDCB}" destId="{9CD36EAE-0CD9-470B-8EC6-DB35DCA07FE9}" srcOrd="1" destOrd="0" parTransId="{D1A898B0-A3C4-435A-89A5-CD1FB716F757}" sibTransId="{2D2BA907-46CD-4C6D-B85C-870DEA177AB0}"/>
     <dgm:cxn modelId="{9546F6BA-E887-47B7-A038-B754B934320A}" type="presOf" srcId="{9B577197-566E-47B8-9DDD-A840D6334AB1}" destId="{F7669719-6721-43BE-A9F4-14CB5B35A159}" srcOrd="0" destOrd="0" presId="urn:microsoft.com/office/officeart/2005/8/layout/hList2"/>
-    <dgm:cxn modelId="{BF7F9BC4-A141-4378-B30F-31D1A7851846}" type="presOf" srcId="{60B0C8DD-9A03-4E55-B50F-4F086FA8F39A}" destId="{34F33835-A21E-44EC-8C2E-68038418198F}" srcOrd="0" destOrd="2" presId="urn:microsoft.com/office/officeart/2005/8/layout/hList2"/>
+    <dgm:cxn modelId="{C3A6CD2E-84C7-495D-8230-1F5B74461CF0}" srcId="{9CD36EAE-0CD9-470B-8EC6-DB35DCA07FE9}" destId="{F32DD996-F015-4017-AA6B-24D6040C5FA3}" srcOrd="2" destOrd="0" parTransId="{F42A7481-3EC8-497B-9DDE-4D4EA936FDE0}" sibTransId="{B66E20D6-56A6-4D26-88B7-56BACBB1C203}"/>
+    <dgm:cxn modelId="{A671A6FA-092A-46FA-BD3A-368505C3CFC6}" type="presOf" srcId="{63F60480-936F-4E4F-A6A8-5330C78BDDCB}" destId="{7A5575E6-66CF-4EAD-AA85-B1A11D69B7B7}" srcOrd="0" destOrd="0" presId="urn:microsoft.com/office/officeart/2005/8/layout/hList2"/>
+    <dgm:cxn modelId="{1664714E-49B6-497C-A009-761CE324E583}" type="presOf" srcId="{9D6A7171-A111-4874-94D8-61D62266E567}" destId="{34F33835-A21E-44EC-8C2E-68038418198F}" srcOrd="0" destOrd="0" presId="urn:microsoft.com/office/officeart/2005/8/layout/hList2"/>
     <dgm:cxn modelId="{C4E88120-16A9-45F3-A4F6-61870657A102}" srcId="{1242F452-68A1-4CEA-9C51-8DCCC1EAD528}" destId="{60227808-4FAC-48C1-B9BF-1ADAEE4F3995}" srcOrd="3" destOrd="0" parTransId="{746230CE-C2CB-41F4-A7CC-95D375D629B7}" sibTransId="{6ADBC5EB-2D8C-4815-99A4-B992188081BF}"/>
-    <dgm:cxn modelId="{240C8B93-999A-4247-BFB7-E40290EBEEB3}" type="presOf" srcId="{1242F452-68A1-4CEA-9C51-8DCCC1EAD528}" destId="{EEDB0011-16BE-49F2-A232-514DC9A8A1F9}" srcOrd="0" destOrd="0" presId="urn:microsoft.com/office/officeart/2005/8/layout/hList2"/>
-    <dgm:cxn modelId="{5D042A53-C459-42AA-BF96-201399DEF8B8}" srcId="{9CD36EAE-0CD9-470B-8EC6-DB35DCA07FE9}" destId="{FC4C5734-FB46-49DF-9964-8E309D9E79AC}" srcOrd="1" destOrd="0" parTransId="{F39E8C39-FE0B-441E-B098-7E145C705B06}" sibTransId="{C81C6C77-B9E8-40A0-AD5F-9E8E0E095413}"/>
-    <dgm:cxn modelId="{6F12A484-97FD-4FF5-A028-43964E27715E}" srcId="{1242F452-68A1-4CEA-9C51-8DCCC1EAD528}" destId="{9D6A7171-A111-4874-94D8-61D62266E567}" srcOrd="0" destOrd="0" parTransId="{7ECC9C35-941B-4622-9BFD-978688BF62C5}" sibTransId="{F04862A0-7ED4-41B5-AB4F-6320418A18C0}"/>
-    <dgm:cxn modelId="{99D1C06F-5739-475F-B860-80AEE39D1C7D}" srcId="{63F60480-936F-4E4F-A6A8-5330C78BDDCB}" destId="{9CD36EAE-0CD9-470B-8EC6-DB35DCA07FE9}" srcOrd="1" destOrd="0" parTransId="{D1A898B0-A3C4-435A-89A5-CD1FB716F757}" sibTransId="{2D2BA907-46CD-4C6D-B85C-870DEA177AB0}"/>
-    <dgm:cxn modelId="{1664714E-49B6-497C-A009-761CE324E583}" type="presOf" srcId="{9D6A7171-A111-4874-94D8-61D62266E567}" destId="{34F33835-A21E-44EC-8C2E-68038418198F}" srcOrd="0" destOrd="0" presId="urn:microsoft.com/office/officeart/2005/8/layout/hList2"/>
-    <dgm:cxn modelId="{E44D7DDC-BA20-4673-8AE9-70FDD748771C}" type="presOf" srcId="{60227808-4FAC-48C1-B9BF-1ADAEE4F3995}" destId="{34F33835-A21E-44EC-8C2E-68038418198F}" srcOrd="0" destOrd="3" presId="urn:microsoft.com/office/officeart/2005/8/layout/hList2"/>
-    <dgm:cxn modelId="{C3A6CD2E-84C7-495D-8230-1F5B74461CF0}" srcId="{9CD36EAE-0CD9-470B-8EC6-DB35DCA07FE9}" destId="{F32DD996-F015-4017-AA6B-24D6040C5FA3}" srcOrd="2" destOrd="0" parTransId="{F42A7481-3EC8-497B-9DDE-4D4EA936FDE0}" sibTransId="{B66E20D6-56A6-4D26-88B7-56BACBB1C203}"/>
-    <dgm:cxn modelId="{DB6116B5-2FD6-46BF-BE99-55090132214D}" srcId="{1242F452-68A1-4CEA-9C51-8DCCC1EAD528}" destId="{60B0C8DD-9A03-4E55-B50F-4F086FA8F39A}" srcOrd="2" destOrd="0" parTransId="{86F8E6D6-4D5C-495C-B994-3283033C5AF4}" sibTransId="{6761947D-671B-4A6A-95AC-D5B35A920F62}"/>
-    <dgm:cxn modelId="{25F0FB1C-19A4-4F6B-9357-48EDBF1BBBFD}" type="presOf" srcId="{9CD36EAE-0CD9-470B-8EC6-DB35DCA07FE9}" destId="{3DCD01A5-8BB3-45C5-9BEB-9825F5E3A260}" srcOrd="0" destOrd="0" presId="urn:microsoft.com/office/officeart/2005/8/layout/hList2"/>
-    <dgm:cxn modelId="{888D2933-CB18-4CE1-A4CB-BF1BC1AB3111}" srcId="{1242F452-68A1-4CEA-9C51-8DCCC1EAD528}" destId="{FFE88E1B-1B31-4F64-815D-619C1A34F303}" srcOrd="1" destOrd="0" parTransId="{AA924FB5-B987-478E-B8DE-0FA7C352DF1D}" sibTransId="{0198DCF1-8C19-4452-8640-D03FD9B8D9F0}"/>
-    <dgm:cxn modelId="{E4221270-FA5F-450A-92C2-7EEFFE8C45F7}" type="presOf" srcId="{FFE88E1B-1B31-4F64-815D-619C1A34F303}" destId="{34F33835-A21E-44EC-8C2E-68038418198F}" srcOrd="0" destOrd="1" presId="urn:microsoft.com/office/officeart/2005/8/layout/hList2"/>
-    <dgm:cxn modelId="{A671A6FA-092A-46FA-BD3A-368505C3CFC6}" type="presOf" srcId="{63F60480-936F-4E4F-A6A8-5330C78BDDCB}" destId="{7A5575E6-66CF-4EAD-AA85-B1A11D69B7B7}" srcOrd="0" destOrd="0" presId="urn:microsoft.com/office/officeart/2005/8/layout/hList2"/>
     <dgm:cxn modelId="{A6ACD328-8524-4C76-88FB-1CDEF75C9EBF}" type="presParOf" srcId="{7A5575E6-66CF-4EAD-AA85-B1A11D69B7B7}" destId="{E15715CF-3444-4824-A679-F28EA9474B5F}" srcOrd="0" destOrd="0" presId="urn:microsoft.com/office/officeart/2005/8/layout/hList2"/>
     <dgm:cxn modelId="{CACA07A7-0C98-4FAE-91A7-0FF9E6D47167}" type="presParOf" srcId="{E15715CF-3444-4824-A679-F28EA9474B5F}" destId="{A0BDCE80-69AE-4984-B689-F85F7A6140A9}" srcOrd="0" destOrd="0" presId="urn:microsoft.com/office/officeart/2005/8/layout/hList2"/>
     <dgm:cxn modelId="{2C1928A3-A600-4B96-9176-8B4C8EB38443}" type="presParOf" srcId="{E15715CF-3444-4824-A679-F28EA9474B5F}" destId="{34F33835-A21E-44EC-8C2E-68038418198F}" srcOrd="1" destOrd="0" presId="urn:microsoft.com/office/officeart/2005/8/layout/hList2"/>
@@ -13375,7 +13375,11 @@
           <a:p>
             <a:r>
               <a:rPr lang="en-US" sz="4400" dirty="0" smtClean="0"/>
-              <a:t>Information publicly available through the </a:t>
+              <a:t>Information publicly available </a:t>
+            </a:r>
+            <a:r>
+              <a:rPr lang="en-US" sz="4400" dirty="0" smtClean="0"/>
+              <a:t>through </a:t>
             </a:r>
             <a:r>
               <a:rPr lang="en-US" sz="4400" dirty="0" err="1" smtClean="0"/>
@@ -13383,7 +13387,15 @@
             </a:r>
             <a:r>
               <a:rPr lang="en-US" sz="4400" dirty="0" smtClean="0"/>
-              <a:t> website (MAPR, TABR)</a:t>
+              <a:t> website (MAPR, </a:t>
+            </a:r>
+            <a:r>
+              <a:rPr lang="en-US" sz="4400" dirty="0" smtClean="0"/>
+              <a:t>TABLR</a:t>
+            </a:r>
+            <a:r>
+              <a:rPr lang="en-US" sz="4400" dirty="0" smtClean="0"/>
+              <a:t>)</a:t>
             </a:r>
             <a:endParaRPr lang="en-US" sz="4400" dirty="0"/>
           </a:p>
@@ -13699,11 +13711,7 @@
             </a:pPr>
             <a:r>
               <a:rPr lang="en-US" dirty="0" smtClean="0"/>
-              <a:t>wealth </a:t>
-            </a:r>
-            <a:r>
-              <a:rPr lang="en-US" dirty="0" smtClean="0"/>
-              <a:t>index</a:t>
+              <a:t>wealth index</a:t>
             </a:r>
             <a:endParaRPr lang="en-US" sz="1800" dirty="0" smtClean="0"/>
           </a:p>
@@ -13814,11 +13822,7 @@
             </a:pPr>
             <a:r>
               <a:rPr lang="en-US" dirty="0" smtClean="0"/>
-              <a:t>Gini </a:t>
-            </a:r>
-            <a:r>
-              <a:rPr lang="en-US" dirty="0" smtClean="0"/>
-              <a:t>index</a:t>
+              <a:t>Gini index</a:t>
             </a:r>
           </a:p>
           <a:p>
@@ -13835,7 +13839,6 @@
               <a:rPr lang="en-US" dirty="0" smtClean="0"/>
               <a:t>ratio</a:t>
             </a:r>
-            <a:endParaRPr lang="en-US" dirty="0" smtClean="0"/>
           </a:p>
           <a:p>
             <a:pPr lvl="1">
@@ -13867,11 +13870,7 @@
             </a:pPr>
             <a:r>
               <a:rPr lang="en-US" dirty="0" smtClean="0"/>
-              <a:t>Poverty </a:t>
-            </a:r>
-            <a:r>
-              <a:rPr lang="en-US" dirty="0" smtClean="0"/>
-              <a:t>Severity</a:t>
+              <a:t>Poverty Severity</a:t>
             </a:r>
           </a:p>
           <a:p>
@@ -17079,7 +17078,7 @@
   <a:themeElements>
     <a:clrScheme name="Office">
       <a:dk1>
-        <a:sysClr val="windowText" lastClr="000000"/>
+        <a:sysClr val="windowText" lastClr="141414"/>
       </a:dk1>
       <a:lt1>
         <a:sysClr val="window" lastClr="FFFFFF"/>
@@ -17340,7 +17339,7 @@
   <a:themeElements>
     <a:clrScheme name="Office">
       <a:dk1>
-        <a:sysClr val="windowText" lastClr="000000"/>
+        <a:sysClr val="windowText" lastClr="141414"/>
       </a:dk1>
       <a:lt1>
         <a:sysClr val="window" lastClr="FFFFFF"/>
